--- a/Documentos/Presentación.pptx
+++ b/Documentos/Presentación.pptx
@@ -6,15 +6,20 @@
   </p:sldMasterIdLst>
   <p:sldIdLst>
     <p:sldId id="256" r:id="rId2"/>
-    <p:sldId id="257" r:id="rId3"/>
-    <p:sldId id="264" r:id="rId4"/>
-    <p:sldId id="261" r:id="rId5"/>
-    <p:sldId id="265" r:id="rId6"/>
-    <p:sldId id="258" r:id="rId7"/>
-    <p:sldId id="259" r:id="rId8"/>
-    <p:sldId id="266" r:id="rId9"/>
-    <p:sldId id="262" r:id="rId10"/>
-    <p:sldId id="263" r:id="rId11"/>
+    <p:sldId id="268" r:id="rId3"/>
+    <p:sldId id="269" r:id="rId4"/>
+    <p:sldId id="270" r:id="rId5"/>
+    <p:sldId id="271" r:id="rId6"/>
+    <p:sldId id="257" r:id="rId7"/>
+    <p:sldId id="264" r:id="rId8"/>
+    <p:sldId id="261" r:id="rId9"/>
+    <p:sldId id="265" r:id="rId10"/>
+    <p:sldId id="258" r:id="rId11"/>
+    <p:sldId id="259" r:id="rId12"/>
+    <p:sldId id="266" r:id="rId13"/>
+    <p:sldId id="262" r:id="rId14"/>
+    <p:sldId id="263" r:id="rId15"/>
+    <p:sldId id="267" r:id="rId16"/>
   </p:sldIdLst>
   <p:sldSz cx="12192000" cy="6858000"/>
   <p:notesSz cx="6858000" cy="9144000"/>
@@ -113,6 +118,11 @@
       </a:defRPr>
     </a:lvl9pPr>
   </p:defaultTextStyle>
+  <p:extLst>
+    <p:ext uri="{EFAFB233-063F-42B5-8137-9DF3F51BA10A}">
+      <p15:sldGuideLst xmlns:p15="http://schemas.microsoft.com/office/powerpoint/2012/main"/>
+    </p:ext>
+  </p:extLst>
 </p:presentation>
 </file>
 
@@ -247,7 +257,7 @@
           <a:p>
             <a:fld id="{F8B4EC59-1314-EC4C-BED7-A03FDA2B0352}" type="datetimeFigureOut">
               <a:rPr lang="es-ES_tradnl" smtClean="0"/>
-              <a:t>24/10/18</a:t>
+              <a:t>25/10/18</a:t>
             </a:fld>
             <a:endParaRPr lang="es-ES_tradnl"/>
           </a:p>
@@ -417,7 +427,7 @@
           <a:p>
             <a:fld id="{F8B4EC59-1314-EC4C-BED7-A03FDA2B0352}" type="datetimeFigureOut">
               <a:rPr lang="es-ES_tradnl" smtClean="0"/>
-              <a:t>24/10/18</a:t>
+              <a:t>25/10/18</a:t>
             </a:fld>
             <a:endParaRPr lang="es-ES_tradnl"/>
           </a:p>
@@ -597,7 +607,7 @@
           <a:p>
             <a:fld id="{F8B4EC59-1314-EC4C-BED7-A03FDA2B0352}" type="datetimeFigureOut">
               <a:rPr lang="es-ES_tradnl" smtClean="0"/>
-              <a:t>24/10/18</a:t>
+              <a:t>25/10/18</a:t>
             </a:fld>
             <a:endParaRPr lang="es-ES_tradnl"/>
           </a:p>
@@ -767,7 +777,7 @@
           <a:p>
             <a:fld id="{F8B4EC59-1314-EC4C-BED7-A03FDA2B0352}" type="datetimeFigureOut">
               <a:rPr lang="es-ES_tradnl" smtClean="0"/>
-              <a:t>24/10/18</a:t>
+              <a:t>25/10/18</a:t>
             </a:fld>
             <a:endParaRPr lang="es-ES_tradnl"/>
           </a:p>
@@ -1013,7 +1023,7 @@
           <a:p>
             <a:fld id="{F8B4EC59-1314-EC4C-BED7-A03FDA2B0352}" type="datetimeFigureOut">
               <a:rPr lang="es-ES_tradnl" smtClean="0"/>
-              <a:t>24/10/18</a:t>
+              <a:t>25/10/18</a:t>
             </a:fld>
             <a:endParaRPr lang="es-ES_tradnl"/>
           </a:p>
@@ -1245,7 +1255,7 @@
           <a:p>
             <a:fld id="{F8B4EC59-1314-EC4C-BED7-A03FDA2B0352}" type="datetimeFigureOut">
               <a:rPr lang="es-ES_tradnl" smtClean="0"/>
-              <a:t>24/10/18</a:t>
+              <a:t>25/10/18</a:t>
             </a:fld>
             <a:endParaRPr lang="es-ES_tradnl"/>
           </a:p>
@@ -1612,7 +1622,7 @@
           <a:p>
             <a:fld id="{F8B4EC59-1314-EC4C-BED7-A03FDA2B0352}" type="datetimeFigureOut">
               <a:rPr lang="es-ES_tradnl" smtClean="0"/>
-              <a:t>24/10/18</a:t>
+              <a:t>25/10/18</a:t>
             </a:fld>
             <a:endParaRPr lang="es-ES_tradnl"/>
           </a:p>
@@ -1730,7 +1740,7 @@
           <a:p>
             <a:fld id="{F8B4EC59-1314-EC4C-BED7-A03FDA2B0352}" type="datetimeFigureOut">
               <a:rPr lang="es-ES_tradnl" smtClean="0"/>
-              <a:t>24/10/18</a:t>
+              <a:t>25/10/18</a:t>
             </a:fld>
             <a:endParaRPr lang="es-ES_tradnl"/>
           </a:p>
@@ -1825,7 +1835,7 @@
           <a:p>
             <a:fld id="{F8B4EC59-1314-EC4C-BED7-A03FDA2B0352}" type="datetimeFigureOut">
               <a:rPr lang="es-ES_tradnl" smtClean="0"/>
-              <a:t>24/10/18</a:t>
+              <a:t>25/10/18</a:t>
             </a:fld>
             <a:endParaRPr lang="es-ES_tradnl"/>
           </a:p>
@@ -2102,7 +2112,7 @@
           <a:p>
             <a:fld id="{F8B4EC59-1314-EC4C-BED7-A03FDA2B0352}" type="datetimeFigureOut">
               <a:rPr lang="es-ES_tradnl" smtClean="0"/>
-              <a:t>24/10/18</a:t>
+              <a:t>25/10/18</a:t>
             </a:fld>
             <a:endParaRPr lang="es-ES_tradnl"/>
           </a:p>
@@ -2355,7 +2365,7 @@
           <a:p>
             <a:fld id="{F8B4EC59-1314-EC4C-BED7-A03FDA2B0352}" type="datetimeFigureOut">
               <a:rPr lang="es-ES_tradnl" smtClean="0"/>
-              <a:t>24/10/18</a:t>
+              <a:t>25/10/18</a:t>
             </a:fld>
             <a:endParaRPr lang="es-ES_tradnl"/>
           </a:p>
@@ -2568,7 +2578,7 @@
           <a:p>
             <a:fld id="{F8B4EC59-1314-EC4C-BED7-A03FDA2B0352}" type="datetimeFigureOut">
               <a:rPr lang="es-ES_tradnl" smtClean="0"/>
-              <a:t>24/10/18</a:t>
+              <a:t>25/10/18</a:t>
             </a:fld>
             <a:endParaRPr lang="es-ES_tradnl"/>
           </a:p>
@@ -3033,6 +3043,13 @@
   <p:clrMapOvr>
     <a:masterClrMapping/>
   </p:clrMapOvr>
+  <p:timing>
+    <p:tnLst>
+      <p:par>
+        <p:cTn id="1" dur="indefinite" restart="never" nodeType="tmRoot"/>
+      </p:par>
+    </p:tnLst>
+  </p:timing>
 </p:sld>
 </file>
 
@@ -3069,6 +3086,322 @@
           <a:lstStyle/>
           <a:p>
             <a:r>
+              <a:rPr lang="en-US" dirty="0" err="1" smtClean="0"/>
+              <a:t>Tecnología</a:t>
+            </a:r>
+            <a:r>
+              <a:rPr lang="en-US" dirty="0" smtClean="0"/>
+              <a:t> </a:t>
+            </a:r>
+            <a:r>
+              <a:rPr lang="en-US" dirty="0" err="1" smtClean="0"/>
+              <a:t>usada</a:t>
+            </a:r>
+            <a:r>
+              <a:rPr lang="es-ES_tradnl" dirty="0" smtClean="0"/>
+              <a:t> (Inteligencia artificial)</a:t>
+            </a:r>
+          </a:p>
+        </p:txBody>
+      </p:sp>
+      <p:sp>
+        <p:nvSpPr>
+          <p:cNvPr id="3" name="Marcador de contenido 2"/>
+          <p:cNvSpPr>
+            <a:spLocks noGrp="1"/>
+          </p:cNvSpPr>
+          <p:nvPr>
+            <p:ph idx="1"/>
+          </p:nvPr>
+        </p:nvSpPr>
+        <p:spPr/>
+        <p:txBody>
+          <a:bodyPr/>
+          <a:lstStyle/>
+          <a:p>
+            <a:endParaRPr lang="es-ES_tradnl" dirty="0"/>
+          </a:p>
+        </p:txBody>
+      </p:sp>
+    </p:spTree>
+    <p:extLst>
+      <p:ext uri="{BB962C8B-B14F-4D97-AF65-F5344CB8AC3E}">
+        <p14:creationId xmlns:p14="http://schemas.microsoft.com/office/powerpoint/2010/main" val="1014156326"/>
+      </p:ext>
+    </p:extLst>
+  </p:cSld>
+  <p:clrMapOvr>
+    <a:masterClrMapping/>
+  </p:clrMapOvr>
+</p:sld>
+</file>
+
+<file path=ppt/slides/slide11.xml><?xml version="1.0" encoding="utf-8"?>
+<p:sld xmlns:a="http://schemas.openxmlformats.org/drawingml/2006/main" xmlns:r="http://schemas.openxmlformats.org/officeDocument/2006/relationships" xmlns:p="http://schemas.openxmlformats.org/presentationml/2006/main">
+  <p:cSld>
+    <p:spTree>
+      <p:nvGrpSpPr>
+        <p:cNvPr id="1" name=""/>
+        <p:cNvGrpSpPr/>
+        <p:nvPr/>
+      </p:nvGrpSpPr>
+      <p:grpSpPr>
+        <a:xfrm>
+          <a:off x="0" y="0"/>
+          <a:ext cx="0" cy="0"/>
+          <a:chOff x="0" y="0"/>
+          <a:chExt cx="0" cy="0"/>
+        </a:xfrm>
+      </p:grpSpPr>
+      <p:sp>
+        <p:nvSpPr>
+          <p:cNvPr id="2" name="Título 1"/>
+          <p:cNvSpPr>
+            <a:spLocks noGrp="1"/>
+          </p:cNvSpPr>
+          <p:nvPr>
+            <p:ph type="title"/>
+          </p:nvPr>
+        </p:nvSpPr>
+        <p:spPr/>
+        <p:txBody>
+          <a:bodyPr/>
+          <a:lstStyle/>
+          <a:p>
+            <a:r>
+              <a:rPr lang="es-ES_tradnl" dirty="0" smtClean="0"/>
+              <a:t>Algoritmo usado (Machine </a:t>
+            </a:r>
+            <a:r>
+              <a:rPr lang="es-ES_tradnl" dirty="0" err="1" smtClean="0"/>
+              <a:t>Learning</a:t>
+            </a:r>
+            <a:r>
+              <a:rPr lang="es-ES_tradnl" dirty="0" smtClean="0"/>
+              <a:t>)</a:t>
+            </a:r>
+          </a:p>
+        </p:txBody>
+      </p:sp>
+      <p:sp>
+        <p:nvSpPr>
+          <p:cNvPr id="3" name="Marcador de contenido 2"/>
+          <p:cNvSpPr>
+            <a:spLocks noGrp="1"/>
+          </p:cNvSpPr>
+          <p:nvPr>
+            <p:ph idx="1"/>
+          </p:nvPr>
+        </p:nvSpPr>
+        <p:spPr/>
+        <p:txBody>
+          <a:bodyPr/>
+          <a:lstStyle/>
+          <a:p>
+            <a:endParaRPr lang="es-ES_tradnl" dirty="0"/>
+          </a:p>
+        </p:txBody>
+      </p:sp>
+    </p:spTree>
+    <p:extLst>
+      <p:ext uri="{BB962C8B-B14F-4D97-AF65-F5344CB8AC3E}">
+        <p14:creationId xmlns:p14="http://schemas.microsoft.com/office/powerpoint/2010/main" val="2041066251"/>
+      </p:ext>
+    </p:extLst>
+  </p:cSld>
+  <p:clrMapOvr>
+    <a:masterClrMapping/>
+  </p:clrMapOvr>
+</p:sld>
+</file>
+
+<file path=ppt/slides/slide12.xml><?xml version="1.0" encoding="utf-8"?>
+<p:sld xmlns:a="http://schemas.openxmlformats.org/drawingml/2006/main" xmlns:r="http://schemas.openxmlformats.org/officeDocument/2006/relationships" xmlns:p="http://schemas.openxmlformats.org/presentationml/2006/main">
+  <p:cSld>
+    <p:spTree>
+      <p:nvGrpSpPr>
+        <p:cNvPr id="1" name=""/>
+        <p:cNvGrpSpPr/>
+        <p:nvPr/>
+      </p:nvGrpSpPr>
+      <p:grpSpPr>
+        <a:xfrm>
+          <a:off x="0" y="0"/>
+          <a:ext cx="0" cy="0"/>
+          <a:chOff x="0" y="0"/>
+          <a:chExt cx="0" cy="0"/>
+        </a:xfrm>
+      </p:grpSpPr>
+      <p:sp>
+        <p:nvSpPr>
+          <p:cNvPr id="2" name="Título 1"/>
+          <p:cNvSpPr>
+            <a:spLocks noGrp="1"/>
+          </p:cNvSpPr>
+          <p:nvPr>
+            <p:ph type="title"/>
+          </p:nvPr>
+        </p:nvSpPr>
+        <p:spPr/>
+        <p:txBody>
+          <a:bodyPr/>
+          <a:lstStyle/>
+          <a:p>
+            <a:r>
+              <a:rPr lang="es-ES_tradnl" dirty="0" smtClean="0"/>
+              <a:t>Objetivos del Metachatbot</a:t>
+            </a:r>
+            <a:endParaRPr lang="es-ES_tradnl" dirty="0"/>
+          </a:p>
+        </p:txBody>
+      </p:sp>
+      <p:sp>
+        <p:nvSpPr>
+          <p:cNvPr id="3" name="Marcador de contenido 2"/>
+          <p:cNvSpPr>
+            <a:spLocks noGrp="1"/>
+          </p:cNvSpPr>
+          <p:nvPr>
+            <p:ph idx="1"/>
+          </p:nvPr>
+        </p:nvSpPr>
+        <p:spPr/>
+        <p:txBody>
+          <a:bodyPr/>
+          <a:lstStyle/>
+          <a:p>
+            <a:endParaRPr lang="es-ES_tradnl"/>
+          </a:p>
+        </p:txBody>
+      </p:sp>
+    </p:spTree>
+    <p:extLst>
+      <p:ext uri="{BB962C8B-B14F-4D97-AF65-F5344CB8AC3E}">
+        <p14:creationId xmlns:p14="http://schemas.microsoft.com/office/powerpoint/2010/main" val="763276982"/>
+      </p:ext>
+    </p:extLst>
+  </p:cSld>
+  <p:clrMapOvr>
+    <a:masterClrMapping/>
+  </p:clrMapOvr>
+</p:sld>
+</file>
+
+<file path=ppt/slides/slide13.xml><?xml version="1.0" encoding="utf-8"?>
+<p:sld xmlns:a="http://schemas.openxmlformats.org/drawingml/2006/main" xmlns:r="http://schemas.openxmlformats.org/officeDocument/2006/relationships" xmlns:p="http://schemas.openxmlformats.org/presentationml/2006/main">
+  <p:cSld>
+    <p:spTree>
+      <p:nvGrpSpPr>
+        <p:cNvPr id="1" name=""/>
+        <p:cNvGrpSpPr/>
+        <p:nvPr/>
+      </p:nvGrpSpPr>
+      <p:grpSpPr>
+        <a:xfrm>
+          <a:off x="0" y="0"/>
+          <a:ext cx="0" cy="0"/>
+          <a:chOff x="0" y="0"/>
+          <a:chExt cx="0" cy="0"/>
+        </a:xfrm>
+      </p:grpSpPr>
+      <p:sp>
+        <p:nvSpPr>
+          <p:cNvPr id="2" name="Título 1"/>
+          <p:cNvSpPr>
+            <a:spLocks noGrp="1"/>
+          </p:cNvSpPr>
+          <p:nvPr>
+            <p:ph type="title"/>
+          </p:nvPr>
+        </p:nvSpPr>
+        <p:spPr/>
+        <p:txBody>
+          <a:bodyPr/>
+          <a:lstStyle/>
+          <a:p>
+            <a:r>
+              <a:rPr lang="en-US" dirty="0" smtClean="0"/>
+              <a:t>Motor de Chatbot</a:t>
+            </a:r>
+            <a:endParaRPr lang="es-ES_tradnl" dirty="0"/>
+          </a:p>
+        </p:txBody>
+      </p:sp>
+      <p:sp>
+        <p:nvSpPr>
+          <p:cNvPr id="3" name="Marcador de contenido 2"/>
+          <p:cNvSpPr>
+            <a:spLocks noGrp="1"/>
+          </p:cNvSpPr>
+          <p:nvPr>
+            <p:ph idx="1"/>
+          </p:nvPr>
+        </p:nvSpPr>
+        <p:spPr/>
+        <p:txBody>
+          <a:bodyPr/>
+          <a:lstStyle/>
+          <a:p>
+            <a:r>
+              <a:rPr lang="es-ES_tradnl" dirty="0" smtClean="0"/>
+              <a:t>Training</a:t>
+            </a:r>
+          </a:p>
+          <a:p>
+            <a:r>
+              <a:rPr lang="es-ES_tradnl" dirty="0" smtClean="0"/>
+              <a:t>Response</a:t>
+            </a:r>
+            <a:endParaRPr lang="es-ES_tradnl" dirty="0"/>
+          </a:p>
+        </p:txBody>
+      </p:sp>
+    </p:spTree>
+    <p:extLst>
+      <p:ext uri="{BB962C8B-B14F-4D97-AF65-F5344CB8AC3E}">
+        <p14:creationId xmlns:p14="http://schemas.microsoft.com/office/powerpoint/2010/main" val="1181082116"/>
+      </p:ext>
+    </p:extLst>
+  </p:cSld>
+  <p:clrMapOvr>
+    <a:masterClrMapping/>
+  </p:clrMapOvr>
+</p:sld>
+</file>
+
+<file path=ppt/slides/slide14.xml><?xml version="1.0" encoding="utf-8"?>
+<p:sld xmlns:a="http://schemas.openxmlformats.org/drawingml/2006/main" xmlns:r="http://schemas.openxmlformats.org/officeDocument/2006/relationships" xmlns:p="http://schemas.openxmlformats.org/presentationml/2006/main">
+  <p:cSld>
+    <p:spTree>
+      <p:nvGrpSpPr>
+        <p:cNvPr id="1" name=""/>
+        <p:cNvGrpSpPr/>
+        <p:nvPr/>
+      </p:nvGrpSpPr>
+      <p:grpSpPr>
+        <a:xfrm>
+          <a:off x="0" y="0"/>
+          <a:ext cx="0" cy="0"/>
+          <a:chOff x="0" y="0"/>
+          <a:chExt cx="0" cy="0"/>
+        </a:xfrm>
+      </p:grpSpPr>
+      <p:sp>
+        <p:nvSpPr>
+          <p:cNvPr id="2" name="Título 1"/>
+          <p:cNvSpPr>
+            <a:spLocks noGrp="1"/>
+          </p:cNvSpPr>
+          <p:nvPr>
+            <p:ph type="title"/>
+          </p:nvPr>
+        </p:nvSpPr>
+        <p:spPr/>
+        <p:txBody>
+          <a:bodyPr/>
+          <a:lstStyle/>
+          <a:p>
+            <a:r>
               <a:rPr lang="es-ES_tradnl" dirty="0" smtClean="0"/>
               <a:t>Sistema de mejora y entrenamiento</a:t>
             </a:r>
@@ -3099,6 +3432,78 @@
     <p:extLst>
       <p:ext uri="{BB962C8B-B14F-4D97-AF65-F5344CB8AC3E}">
         <p14:creationId xmlns:p14="http://schemas.microsoft.com/office/powerpoint/2010/main" val="1490232316"/>
+      </p:ext>
+    </p:extLst>
+  </p:cSld>
+  <p:clrMapOvr>
+    <a:masterClrMapping/>
+  </p:clrMapOvr>
+</p:sld>
+</file>
+
+<file path=ppt/slides/slide15.xml><?xml version="1.0" encoding="utf-8"?>
+<p:sld xmlns:a="http://schemas.openxmlformats.org/drawingml/2006/main" xmlns:r="http://schemas.openxmlformats.org/officeDocument/2006/relationships" xmlns:p="http://schemas.openxmlformats.org/presentationml/2006/main">
+  <p:cSld>
+    <p:spTree>
+      <p:nvGrpSpPr>
+        <p:cNvPr id="1" name=""/>
+        <p:cNvGrpSpPr/>
+        <p:nvPr/>
+      </p:nvGrpSpPr>
+      <p:grpSpPr>
+        <a:xfrm>
+          <a:off x="0" y="0"/>
+          <a:ext cx="0" cy="0"/>
+          <a:chOff x="0" y="0"/>
+          <a:chExt cx="0" cy="0"/>
+        </a:xfrm>
+      </p:grpSpPr>
+      <p:sp>
+        <p:nvSpPr>
+          <p:cNvPr id="2" name="Título 1"/>
+          <p:cNvSpPr>
+            <a:spLocks noGrp="1"/>
+          </p:cNvSpPr>
+          <p:nvPr>
+            <p:ph type="title"/>
+          </p:nvPr>
+        </p:nvSpPr>
+        <p:spPr/>
+        <p:txBody>
+          <a:bodyPr/>
+          <a:lstStyle/>
+          <a:p>
+            <a:r>
+              <a:rPr lang="es-ES_tradnl" dirty="0" smtClean="0"/>
+              <a:t>Conclusiones trabajo futuro</a:t>
+            </a:r>
+            <a:endParaRPr lang="es-ES_tradnl" dirty="0"/>
+          </a:p>
+        </p:txBody>
+      </p:sp>
+      <p:sp>
+        <p:nvSpPr>
+          <p:cNvPr id="3" name="Marcador de contenido 2"/>
+          <p:cNvSpPr>
+            <a:spLocks noGrp="1"/>
+          </p:cNvSpPr>
+          <p:nvPr>
+            <p:ph idx="1"/>
+          </p:nvPr>
+        </p:nvSpPr>
+        <p:spPr/>
+        <p:txBody>
+          <a:bodyPr/>
+          <a:lstStyle/>
+          <a:p>
+            <a:endParaRPr lang="es-ES_tradnl"/>
+          </a:p>
+        </p:txBody>
+      </p:sp>
+    </p:spTree>
+    <p:extLst>
+      <p:ext uri="{BB962C8B-B14F-4D97-AF65-F5344CB8AC3E}">
+        <p14:creationId xmlns:p14="http://schemas.microsoft.com/office/powerpoint/2010/main" val="1300157128"/>
       </p:ext>
     </p:extLst>
   </p:cSld>
@@ -3141,73 +3546,108 @@
           <a:lstStyle/>
           <a:p>
             <a:r>
+              <a:rPr lang="en-US" dirty="0" err="1" smtClean="0"/>
+              <a:t>Í</a:t>
+            </a:r>
+            <a:r>
+              <a:rPr lang="es-ES_tradnl" dirty="0" err="1" smtClean="0"/>
+              <a:t>ndice</a:t>
+            </a:r>
+            <a:endParaRPr lang="es-ES_tradnl" dirty="0"/>
+          </a:p>
+        </p:txBody>
+      </p:sp>
+      <p:sp>
+        <p:nvSpPr>
+          <p:cNvPr id="3" name="Marcador de contenido 2"/>
+          <p:cNvSpPr>
+            <a:spLocks noGrp="1"/>
+          </p:cNvSpPr>
+          <p:nvPr>
+            <p:ph idx="1"/>
+          </p:nvPr>
+        </p:nvSpPr>
+        <p:spPr>
+          <a:xfrm>
+            <a:off x="838200" y="1496291"/>
+            <a:ext cx="10515600" cy="5054138"/>
+          </a:xfrm>
+        </p:spPr>
+        <p:txBody>
+          <a:bodyPr>
+            <a:normAutofit/>
+          </a:bodyPr>
+          <a:lstStyle/>
+          <a:p>
+            <a:r>
               <a:rPr lang="es-ES_tradnl" dirty="0" smtClean="0"/>
-              <a:t>INTRODUCCI</a:t>
+              <a:t>INTRODUCCION</a:t>
+            </a:r>
+          </a:p>
+          <a:p>
+            <a:pPr marL="457200" lvl="1" indent="0">
+              <a:buNone/>
+            </a:pPr>
+            <a:endParaRPr lang="es-ES_tradnl" dirty="0" smtClean="0"/>
+          </a:p>
+          <a:p>
+            <a:r>
+              <a:rPr lang="es-ES_tradnl" dirty="0" smtClean="0"/>
+              <a:t>ESTADO DEL ARTE</a:t>
+            </a:r>
+          </a:p>
+          <a:p>
+            <a:pPr marL="457200" lvl="1" indent="0">
+              <a:buNone/>
+            </a:pPr>
+            <a:endParaRPr lang="es-ES_tradnl" dirty="0" smtClean="0"/>
+          </a:p>
+          <a:p>
+            <a:r>
+              <a:rPr lang="es-ES_tradnl" dirty="0" smtClean="0"/>
+              <a:t>IMPLEMENTACI</a:t>
             </a:r>
             <a:r>
               <a:rPr lang="en-US" dirty="0" smtClean="0"/>
-              <a:t>ÓN</a:t>
-            </a:r>
-            <a:endParaRPr lang="es-ES_tradnl" dirty="0"/>
-          </a:p>
-        </p:txBody>
-      </p:sp>
-      <p:sp>
-        <p:nvSpPr>
-          <p:cNvPr id="3" name="Marcador de contenido 2"/>
-          <p:cNvSpPr>
-            <a:spLocks noGrp="1"/>
-          </p:cNvSpPr>
-          <p:nvPr>
-            <p:ph idx="1"/>
-          </p:nvPr>
-        </p:nvSpPr>
-        <p:spPr/>
-        <p:txBody>
-          <a:bodyPr/>
-          <a:lstStyle/>
-          <a:p>
-            <a:r>
-              <a:rPr lang="es-ES_tradnl" dirty="0" smtClean="0"/>
-              <a:t>Estado del arte</a:t>
-            </a:r>
-          </a:p>
-          <a:p>
-            <a:r>
-              <a:rPr lang="es-ES_tradnl" dirty="0" err="1" smtClean="0"/>
-              <a:t>Visi</a:t>
-            </a:r>
-            <a:r>
-              <a:rPr lang="en-US" dirty="0" err="1" smtClean="0"/>
-              <a:t>ón</a:t>
-            </a:r>
+              <a:t>ÓN DEL SISTEMA</a:t>
+            </a:r>
+            <a:endParaRPr lang="es-ES_tradnl" dirty="0" smtClean="0"/>
+          </a:p>
+          <a:p>
+            <a:pPr marL="914400" lvl="2" indent="0">
+              <a:buNone/>
+            </a:pPr>
+            <a:endParaRPr lang="en-US" dirty="0" smtClean="0"/>
+          </a:p>
+          <a:p>
             <a:r>
               <a:rPr lang="en-US" dirty="0" smtClean="0"/>
-              <a:t> global de lo </a:t>
-            </a:r>
-            <a:r>
-              <a:rPr lang="en-US" dirty="0" err="1" smtClean="0"/>
-              <a:t>qué</a:t>
-            </a:r>
-            <a:r>
-              <a:rPr lang="en-US" dirty="0" smtClean="0"/>
-              <a:t> </a:t>
-            </a:r>
-            <a:r>
-              <a:rPr lang="en-US" dirty="0" err="1" smtClean="0"/>
-              <a:t>es</a:t>
-            </a:r>
-            <a:r>
-              <a:rPr lang="en-US" dirty="0" smtClean="0"/>
-              <a:t> un </a:t>
-            </a:r>
-            <a:r>
-              <a:rPr lang="en-US" dirty="0" err="1" smtClean="0"/>
-              <a:t>chatbot</a:t>
-            </a:r>
+              <a:t>TRABAJO FUTURO Y CONCLUSIONES</a:t>
+            </a:r>
+            <a:endParaRPr lang="en-US" dirty="0"/>
+          </a:p>
+          <a:p>
+            <a:pPr lvl="1"/>
+            <a:endParaRPr lang="en-US" dirty="0" smtClean="0"/>
+          </a:p>
+          <a:p>
+            <a:pPr lvl="1"/>
+            <a:endParaRPr lang="en-US" dirty="0" smtClean="0"/>
+          </a:p>
+          <a:p>
+            <a:pPr lvl="1"/>
+            <a:endParaRPr lang="en-US" dirty="0" smtClean="0"/>
+          </a:p>
+          <a:p>
+            <a:pPr lvl="1"/>
+            <a:endParaRPr lang="en-US" dirty="0" smtClean="0"/>
+          </a:p>
+          <a:p>
+            <a:pPr lvl="2"/>
             <a:endParaRPr lang="es-ES_tradnl" dirty="0" smtClean="0"/>
           </a:p>
           <a:p>
+            <a:pPr lvl="1"/>
             <a:endParaRPr lang="es-ES_tradnl" dirty="0"/>
           </a:p>
         </p:txBody>
@@ -3215,13 +3655,20 @@
     </p:spTree>
     <p:extLst>
       <p:ext uri="{BB962C8B-B14F-4D97-AF65-F5344CB8AC3E}">
-        <p14:creationId xmlns:p14="http://schemas.microsoft.com/office/powerpoint/2010/main" val="389008588"/>
+        <p14:creationId xmlns:p14="http://schemas.microsoft.com/office/powerpoint/2010/main" val="2053913543"/>
       </p:ext>
     </p:extLst>
   </p:cSld>
   <p:clrMapOvr>
     <a:masterClrMapping/>
   </p:clrMapOvr>
+  <p:timing>
+    <p:tnLst>
+      <p:par>
+        <p:cTn id="1" dur="indefinite" restart="never" nodeType="tmRoot"/>
+      </p:par>
+    </p:tnLst>
+  </p:timing>
 </p:sld>
 </file>
 
@@ -3259,38 +3706,201 @@
           <a:p>
             <a:r>
               <a:rPr lang="es-ES_tradnl" dirty="0" smtClean="0"/>
-              <a:t>Sistemas inteligentes (tipos)</a:t>
-            </a:r>
-            <a:br>
+              <a:t>INTRODUCCI</a:t>
+            </a:r>
+            <a:r>
+              <a:rPr lang="en-US" dirty="0" smtClean="0"/>
+              <a:t>ÓN</a:t>
+            </a:r>
+            <a:endParaRPr lang="es-ES_tradnl" dirty="0"/>
+          </a:p>
+        </p:txBody>
+      </p:sp>
+      <p:sp>
+        <p:nvSpPr>
+          <p:cNvPr id="3" name="Marcador de contenido 2"/>
+          <p:cNvSpPr>
+            <a:spLocks noGrp="1"/>
+          </p:cNvSpPr>
+          <p:nvPr>
+            <p:ph idx="1"/>
+          </p:nvPr>
+        </p:nvSpPr>
+        <p:spPr/>
+        <p:txBody>
+          <a:bodyPr/>
+          <a:lstStyle/>
+          <a:p>
+            <a:pPr lvl="1"/>
+            <a:r>
+              <a:rPr lang="en-US" dirty="0"/>
+              <a:t>[SISTEMAS INTELIGENTES</a:t>
+            </a:r>
+          </a:p>
+          <a:p>
+            <a:pPr lvl="2"/>
+            <a:r>
               <a:rPr lang="es-ES_tradnl" dirty="0" smtClean="0"/>
-            </a:br>
+              <a:t>[[TIPOS </a:t>
+            </a:r>
+            <a:r>
+              <a:rPr lang="es-ES_tradnl" dirty="0"/>
+              <a:t>(agentes virtuales, </a:t>
+            </a:r>
+            <a:r>
+              <a:rPr lang="es-ES_tradnl" dirty="0" err="1"/>
+              <a:t>chatbots</a:t>
+            </a:r>
+            <a:r>
+              <a:rPr lang="es-ES_tradnl" dirty="0"/>
+              <a:t>, toma de </a:t>
+            </a:r>
+            <a:r>
+              <a:rPr lang="es-ES_tradnl" dirty="0" err="1"/>
+              <a:t>decisi</a:t>
+            </a:r>
+            <a:r>
+              <a:rPr lang="en-US" dirty="0" err="1"/>
+              <a:t>ón</a:t>
+            </a:r>
+            <a:r>
+              <a:rPr lang="es-ES_tradnl" dirty="0"/>
+              <a:t>)</a:t>
+            </a:r>
+          </a:p>
+          <a:p>
+            <a:pPr lvl="2"/>
+            <a:r>
+              <a:rPr lang="es-ES_tradnl" dirty="0"/>
+              <a:t>TECNOLOG</a:t>
+            </a:r>
+            <a:r>
+              <a:rPr lang="en-US" dirty="0"/>
+              <a:t>ÍAS</a:t>
+            </a:r>
+          </a:p>
+          <a:p>
+            <a:pPr lvl="2"/>
+            <a:r>
+              <a:rPr lang="en-US" dirty="0"/>
+              <a:t>ALGORITMOS(</a:t>
+            </a:r>
+            <a:r>
+              <a:rPr lang="en-US" dirty="0" err="1"/>
+              <a:t>aprendizaje</a:t>
+            </a:r>
+            <a:r>
+              <a:rPr lang="en-US" dirty="0"/>
+              <a:t> </a:t>
+            </a:r>
+            <a:r>
+              <a:rPr lang="en-US" dirty="0" err="1"/>
+              <a:t>supervizado</a:t>
+            </a:r>
+            <a:r>
+              <a:rPr lang="en-US" dirty="0" smtClean="0"/>
+              <a:t>)]]</a:t>
+            </a:r>
             <a:endParaRPr lang="es-ES_tradnl" dirty="0"/>
           </a:p>
-        </p:txBody>
-      </p:sp>
-      <p:sp>
-        <p:nvSpPr>
-          <p:cNvPr id="3" name="Marcador de contenido 2"/>
-          <p:cNvSpPr>
-            <a:spLocks noGrp="1"/>
-          </p:cNvSpPr>
-          <p:nvPr>
-            <p:ph idx="1"/>
-          </p:nvPr>
-        </p:nvSpPr>
-        <p:spPr/>
-        <p:txBody>
-          <a:bodyPr/>
-          <a:lstStyle/>
-          <a:p>
-            <a:endParaRPr lang="es-ES_tradnl"/>
+          <a:p>
+            <a:pPr lvl="1"/>
+            <a:r>
+              <a:rPr lang="en-US" dirty="0"/>
+              <a:t>CHATBOTS</a:t>
+            </a:r>
+          </a:p>
+          <a:p>
+            <a:pPr lvl="2"/>
+            <a:r>
+              <a:rPr lang="en-US" dirty="0" smtClean="0"/>
+              <a:t>[[¿</a:t>
+            </a:r>
+            <a:r>
+              <a:rPr lang="en-US" dirty="0" err="1"/>
+              <a:t>Qué</a:t>
+            </a:r>
+            <a:r>
+              <a:rPr lang="en-US" dirty="0"/>
+              <a:t> </a:t>
+            </a:r>
+            <a:r>
+              <a:rPr lang="en-US" dirty="0" err="1"/>
+              <a:t>es</a:t>
+            </a:r>
+            <a:r>
+              <a:rPr lang="en-US" dirty="0"/>
+              <a:t> un </a:t>
+            </a:r>
+            <a:r>
+              <a:rPr lang="en-US" dirty="0" err="1"/>
+              <a:t>chatbot</a:t>
+            </a:r>
+            <a:r>
+              <a:rPr lang="en-US" dirty="0"/>
+              <a:t>?(para </a:t>
+            </a:r>
+            <a:r>
+              <a:rPr lang="en-US" dirty="0" err="1"/>
+              <a:t>qué</a:t>
+            </a:r>
+            <a:r>
+              <a:rPr lang="en-US" dirty="0"/>
+              <a:t> </a:t>
+            </a:r>
+            <a:r>
+              <a:rPr lang="en-US" dirty="0" err="1"/>
+              <a:t>sirve</a:t>
+            </a:r>
+            <a:r>
+              <a:rPr lang="en-US" dirty="0"/>
+              <a:t>)</a:t>
+            </a:r>
+          </a:p>
+          <a:p>
+            <a:pPr lvl="2"/>
+            <a:r>
+              <a:rPr lang="en-US" dirty="0" err="1"/>
+              <a:t>Funcionamiento</a:t>
+            </a:r>
+            <a:endParaRPr lang="en-US" dirty="0"/>
+          </a:p>
+          <a:p>
+            <a:pPr lvl="2"/>
+            <a:r>
+              <a:rPr lang="en-US" dirty="0" err="1"/>
+              <a:t>Tipos</a:t>
+            </a:r>
+            <a:r>
+              <a:rPr lang="en-US" dirty="0"/>
+              <a:t> de </a:t>
+            </a:r>
+            <a:r>
+              <a:rPr lang="en-US" dirty="0" err="1" smtClean="0"/>
+              <a:t>interacción</a:t>
+            </a:r>
+            <a:r>
+              <a:rPr lang="en-US" dirty="0" smtClean="0"/>
+              <a:t>]]</a:t>
+            </a:r>
+            <a:endParaRPr lang="es-ES_tradnl" dirty="0"/>
+          </a:p>
+          <a:p>
+            <a:pPr lvl="1"/>
+            <a:r>
+              <a:rPr lang="es-ES_tradnl" dirty="0"/>
+              <a:t>Objetivos]</a:t>
+            </a:r>
+          </a:p>
+          <a:p>
+            <a:endParaRPr lang="es-ES_tradnl" dirty="0"/>
           </a:p>
         </p:txBody>
       </p:sp>
     </p:spTree>
     <p:extLst>
       <p:ext uri="{BB962C8B-B14F-4D97-AF65-F5344CB8AC3E}">
-        <p14:creationId xmlns:p14="http://schemas.microsoft.com/office/powerpoint/2010/main" val="2074959654"/>
+        <p14:creationId xmlns:p14="http://schemas.microsoft.com/office/powerpoint/2010/main" val="1461503321"/>
       </p:ext>
     </p:extLst>
   </p:cSld>
@@ -3334,7 +3944,7 @@
           <a:p>
             <a:r>
               <a:rPr lang="es-ES_tradnl" dirty="0" smtClean="0"/>
-              <a:t>Chatbot</a:t>
+              <a:t>ESTADO DEL ARTE</a:t>
             </a:r>
             <a:endParaRPr lang="es-ES_tradnl" dirty="0"/>
           </a:p>
@@ -3354,6 +3964,29 @@
         <p:txBody>
           <a:bodyPr/>
           <a:lstStyle/>
+          <a:p>
+            <a:pPr lvl="1"/>
+            <a:r>
+              <a:rPr lang="en-US" dirty="0"/>
+              <a:t>[</a:t>
+            </a:r>
+            <a:r>
+              <a:rPr lang="en-US" dirty="0" err="1"/>
+              <a:t>Panorámica</a:t>
+            </a:r>
+            <a:endParaRPr lang="en-US" dirty="0"/>
+          </a:p>
+          <a:p>
+            <a:pPr lvl="1"/>
+            <a:r>
+              <a:rPr lang="en-US" dirty="0" err="1"/>
+              <a:t>Propuestas</a:t>
+            </a:r>
+            <a:r>
+              <a:rPr lang="en-US" dirty="0"/>
+              <a:t>]</a:t>
+            </a:r>
+          </a:p>
           <a:p>
             <a:endParaRPr lang="es-ES_tradnl" dirty="0"/>
           </a:p>
@@ -3362,7 +3995,7 @@
     </p:spTree>
     <p:extLst>
       <p:ext uri="{BB962C8B-B14F-4D97-AF65-F5344CB8AC3E}">
-        <p14:creationId xmlns:p14="http://schemas.microsoft.com/office/powerpoint/2010/main" val="27185604"/>
+        <p14:creationId xmlns:p14="http://schemas.microsoft.com/office/powerpoint/2010/main" val="810975868"/>
       </p:ext>
     </p:extLst>
   </p:cSld>
@@ -3406,59 +4039,218 @@
           <a:p>
             <a:r>
               <a:rPr lang="es-ES_tradnl" dirty="0" smtClean="0"/>
-              <a:t>¿</a:t>
-            </a:r>
-            <a:r>
-              <a:rPr lang="es-ES_tradnl" dirty="0" err="1" smtClean="0"/>
-              <a:t>Qu</a:t>
-            </a:r>
+              <a:t>IMPLEMENTACI</a:t>
+            </a:r>
+            <a:r>
+              <a:rPr lang="en-US" dirty="0" smtClean="0"/>
+              <a:t>ÓN DEL SISTEMA</a:t>
+            </a:r>
+            <a:endParaRPr lang="es-ES_tradnl" dirty="0"/>
+          </a:p>
+        </p:txBody>
+      </p:sp>
+      <p:sp>
+        <p:nvSpPr>
+          <p:cNvPr id="3" name="Marcador de contenido 2"/>
+          <p:cNvSpPr>
+            <a:spLocks noGrp="1"/>
+          </p:cNvSpPr>
+          <p:nvPr>
+            <p:ph idx="1"/>
+          </p:nvPr>
+        </p:nvSpPr>
+        <p:spPr/>
+        <p:txBody>
+          <a:bodyPr/>
+          <a:lstStyle/>
+          <a:p>
+            <a:pPr lvl="1"/>
+            <a:r>
+              <a:rPr lang="en-US" dirty="0" err="1"/>
+              <a:t>Arquitectura</a:t>
+            </a:r>
+            <a:r>
+              <a:rPr lang="en-US" dirty="0"/>
+              <a:t> </a:t>
+            </a:r>
+            <a:r>
+              <a:rPr lang="en-US" dirty="0" smtClean="0"/>
+              <a:t>[[(</a:t>
+            </a:r>
+            <a:r>
+              <a:rPr lang="en-US" dirty="0" err="1"/>
+              <a:t>json</a:t>
+            </a:r>
+            <a:r>
+              <a:rPr lang="en-US" dirty="0"/>
+              <a:t>, </a:t>
+            </a:r>
+            <a:r>
+              <a:rPr lang="en-US" dirty="0" err="1"/>
+              <a:t>clases</a:t>
+            </a:r>
+            <a:r>
+              <a:rPr lang="en-US" dirty="0"/>
+              <a:t> </a:t>
+            </a:r>
+            <a:r>
+              <a:rPr lang="en-US" dirty="0" err="1"/>
+              <a:t>comunes</a:t>
+            </a:r>
+            <a:r>
+              <a:rPr lang="en-US" dirty="0" smtClean="0"/>
+              <a:t>)]]</a:t>
+            </a:r>
+            <a:endParaRPr lang="en-US" dirty="0"/>
+          </a:p>
+          <a:p>
+            <a:pPr lvl="1"/>
+            <a:r>
+              <a:rPr lang="en-US" dirty="0"/>
+              <a:t>Motor de Chatbots</a:t>
+            </a:r>
+          </a:p>
+          <a:p>
+            <a:pPr lvl="2"/>
+            <a:r>
+              <a:rPr lang="en-US" dirty="0" smtClean="0"/>
+              <a:t>[[¿</a:t>
+            </a:r>
+            <a:r>
+              <a:rPr lang="en-US" dirty="0" err="1"/>
+              <a:t>qué</a:t>
+            </a:r>
+            <a:r>
+              <a:rPr lang="en-US" dirty="0"/>
+              <a:t> </a:t>
+            </a:r>
+            <a:r>
+              <a:rPr lang="en-US" dirty="0" err="1"/>
+              <a:t>es</a:t>
+            </a:r>
+            <a:r>
+              <a:rPr lang="en-US" dirty="0"/>
+              <a:t>?</a:t>
+            </a:r>
+          </a:p>
+          <a:p>
+            <a:pPr lvl="2"/>
             <a:r>
               <a:rPr lang="en-US" dirty="0" err="1" smtClean="0"/>
-              <a:t>é</a:t>
+              <a:t>Funcionamiento</a:t>
             </a:r>
             <a:r>
               <a:rPr lang="en-US" dirty="0" smtClean="0"/>
+              <a:t>]]</a:t>
+            </a:r>
+            <a:endParaRPr lang="en-US" dirty="0"/>
+          </a:p>
+          <a:p>
+            <a:pPr lvl="1"/>
+            <a:r>
+              <a:rPr lang="en-US" dirty="0"/>
+              <a:t>Metachatbot</a:t>
+            </a:r>
+          </a:p>
+          <a:p>
+            <a:pPr lvl="2"/>
+            <a:r>
+              <a:rPr lang="en-US" dirty="0" smtClean="0"/>
+              <a:t>[[¿</a:t>
+            </a:r>
+            <a:r>
+              <a:rPr lang="en-US" dirty="0" err="1"/>
+              <a:t>qué</a:t>
+            </a:r>
+            <a:r>
+              <a:rPr lang="en-US" dirty="0"/>
               <a:t> </a:t>
             </a:r>
             <a:r>
+              <a:rPr lang="en-US" dirty="0" err="1"/>
+              <a:t>es</a:t>
+            </a:r>
+            <a:r>
+              <a:rPr lang="en-US" dirty="0"/>
+              <a:t> un Metachatbot?</a:t>
+            </a:r>
+          </a:p>
+          <a:p>
+            <a:pPr lvl="2"/>
+            <a:r>
               <a:rPr lang="en-US" dirty="0" err="1" smtClean="0"/>
+              <a:t>Funcionamiento</a:t>
+            </a:r>
+            <a:r>
+              <a:rPr lang="en-US" dirty="0" smtClean="0"/>
+              <a:t>]]</a:t>
+            </a:r>
+            <a:endParaRPr lang="en-US" dirty="0"/>
+          </a:p>
+          <a:p>
+            <a:pPr lvl="1"/>
+            <a:r>
+              <a:rPr lang="en-US" dirty="0"/>
+              <a:t>Sistema de </a:t>
+            </a:r>
+            <a:r>
+              <a:rPr lang="en-US" dirty="0" err="1"/>
+              <a:t>mejora</a:t>
+            </a:r>
+            <a:r>
+              <a:rPr lang="en-US" dirty="0"/>
+              <a:t> y </a:t>
+            </a:r>
+            <a:r>
+              <a:rPr lang="en-US" dirty="0" err="1"/>
+              <a:t>entrenamiento</a:t>
+            </a:r>
+            <a:endParaRPr lang="en-US" dirty="0"/>
+          </a:p>
+          <a:p>
+            <a:pPr lvl="2"/>
+            <a:r>
+              <a:rPr lang="en-US" dirty="0" smtClean="0"/>
+              <a:t>[[¿</a:t>
+            </a:r>
+            <a:r>
+              <a:rPr lang="en-US" dirty="0" err="1"/>
+              <a:t>qué</a:t>
+            </a:r>
+            <a:r>
+              <a:rPr lang="en-US" dirty="0"/>
+              <a:t> </a:t>
+            </a:r>
+            <a:r>
+              <a:rPr lang="en-US" dirty="0" err="1"/>
               <a:t>es</a:t>
             </a:r>
             <a:r>
+              <a:rPr lang="en-US" dirty="0"/>
+              <a:t>?</a:t>
+            </a:r>
+          </a:p>
+          <a:p>
+            <a:pPr lvl="2"/>
+            <a:r>
+              <a:rPr lang="en-US" dirty="0" err="1" smtClean="0"/>
+              <a:t>Funcionamiento</a:t>
+            </a:r>
+            <a:r>
               <a:rPr lang="en-US" dirty="0" smtClean="0"/>
-              <a:t> un Metachatbot</a:t>
-            </a:r>
-            <a:r>
-              <a:rPr lang="es-ES_tradnl" dirty="0" smtClean="0"/>
-              <a:t>?</a:t>
-            </a:r>
+              <a:t>]]</a:t>
+            </a:r>
+            <a:endParaRPr lang="en-US" dirty="0"/>
+          </a:p>
+          <a:p>
             <a:endParaRPr lang="es-ES_tradnl" dirty="0"/>
-          </a:p>
-        </p:txBody>
-      </p:sp>
-      <p:sp>
-        <p:nvSpPr>
-          <p:cNvPr id="3" name="Marcador de contenido 2"/>
-          <p:cNvSpPr>
-            <a:spLocks noGrp="1"/>
-          </p:cNvSpPr>
-          <p:nvPr>
-            <p:ph idx="1"/>
-          </p:nvPr>
-        </p:nvSpPr>
-        <p:spPr/>
-        <p:txBody>
-          <a:bodyPr/>
-          <a:lstStyle/>
-          <a:p>
-            <a:endParaRPr lang="es-ES_tradnl"/>
           </a:p>
         </p:txBody>
       </p:sp>
     </p:spTree>
     <p:extLst>
       <p:ext uri="{BB962C8B-B14F-4D97-AF65-F5344CB8AC3E}">
-        <p14:creationId xmlns:p14="http://schemas.microsoft.com/office/powerpoint/2010/main" val="806592584"/>
+        <p14:creationId xmlns:p14="http://schemas.microsoft.com/office/powerpoint/2010/main" val="581296765"/>
       </p:ext>
     </p:extLst>
   </p:cSld>
@@ -3501,8 +4293,53 @@
           <a:lstStyle/>
           <a:p>
             <a:r>
+              <a:rPr lang="es-ES_tradnl" dirty="0" smtClean="0"/>
+              <a:t>INTRODUCCI</a:t>
+            </a:r>
+            <a:r>
+              <a:rPr lang="en-US" dirty="0" smtClean="0"/>
+              <a:t>ÓN</a:t>
+            </a:r>
+            <a:endParaRPr lang="es-ES_tradnl" dirty="0"/>
+          </a:p>
+        </p:txBody>
+      </p:sp>
+      <p:sp>
+        <p:nvSpPr>
+          <p:cNvPr id="3" name="Marcador de contenido 2"/>
+          <p:cNvSpPr>
+            <a:spLocks noGrp="1"/>
+          </p:cNvSpPr>
+          <p:nvPr>
+            <p:ph idx="1"/>
+          </p:nvPr>
+        </p:nvSpPr>
+        <p:spPr/>
+        <p:txBody>
+          <a:bodyPr/>
+          <a:lstStyle/>
+          <a:p>
+            <a:r>
+              <a:rPr lang="es-ES_tradnl" dirty="0" smtClean="0"/>
+              <a:t>Estado del arte</a:t>
+            </a:r>
+          </a:p>
+          <a:p>
+            <a:r>
+              <a:rPr lang="es-ES_tradnl" dirty="0" err="1" smtClean="0"/>
+              <a:t>Visi</a:t>
+            </a:r>
+            <a:r>
               <a:rPr lang="en-US" dirty="0" err="1" smtClean="0"/>
-              <a:t>Tecnología</a:t>
+              <a:t>ón</a:t>
+            </a:r>
+            <a:r>
+              <a:rPr lang="en-US" dirty="0" smtClean="0"/>
+              <a:t> global de lo </a:t>
+            </a:r>
+            <a:r>
+              <a:rPr lang="en-US" dirty="0" err="1" smtClean="0"/>
+              <a:t>qué</a:t>
             </a:r>
             <a:r>
               <a:rPr lang="en-US" dirty="0" smtClean="0"/>
@@ -3510,30 +4347,18 @@
             </a:r>
             <a:r>
               <a:rPr lang="en-US" dirty="0" err="1" smtClean="0"/>
-              <a:t>usada</a:t>
-            </a:r>
-            <a:r>
-              <a:rPr lang="es-ES_tradnl" dirty="0" smtClean="0"/>
-              <a:t> (Inteligencia artificial)</a:t>
+              <a:t>es</a:t>
+            </a:r>
+            <a:r>
+              <a:rPr lang="en-US" dirty="0" smtClean="0"/>
+              <a:t> un </a:t>
+            </a:r>
+            <a:r>
+              <a:rPr lang="en-US" dirty="0" err="1" smtClean="0"/>
+              <a:t>chatbot</a:t>
             </a:r>
             <a:endParaRPr lang="es-ES_tradnl" dirty="0" smtClean="0"/>
           </a:p>
-        </p:txBody>
-      </p:sp>
-      <p:sp>
-        <p:nvSpPr>
-          <p:cNvPr id="3" name="Marcador de contenido 2"/>
-          <p:cNvSpPr>
-            <a:spLocks noGrp="1"/>
-          </p:cNvSpPr>
-          <p:nvPr>
-            <p:ph idx="1"/>
-          </p:nvPr>
-        </p:nvSpPr>
-        <p:spPr/>
-        <p:txBody>
-          <a:bodyPr/>
-          <a:lstStyle/>
           <a:p>
             <a:endParaRPr lang="es-ES_tradnl" dirty="0"/>
           </a:p>
@@ -3542,13 +4367,20 @@
     </p:spTree>
     <p:extLst>
       <p:ext uri="{BB962C8B-B14F-4D97-AF65-F5344CB8AC3E}">
-        <p14:creationId xmlns:p14="http://schemas.microsoft.com/office/powerpoint/2010/main" val="1014156326"/>
+        <p14:creationId xmlns:p14="http://schemas.microsoft.com/office/powerpoint/2010/main" val="389008588"/>
       </p:ext>
     </p:extLst>
   </p:cSld>
   <p:clrMapOvr>
     <a:masterClrMapping/>
   </p:clrMapOvr>
+  <p:timing>
+    <p:tnLst>
+      <p:par>
+        <p:cTn id="1" dur="indefinite" restart="never" nodeType="tmRoot"/>
+      </p:par>
+    </p:tnLst>
+  </p:timing>
 </p:sld>
 </file>
 
@@ -3586,17 +4418,12 @@
           <a:p>
             <a:r>
               <a:rPr lang="es-ES_tradnl" dirty="0" smtClean="0"/>
-              <a:t>Algoritmo usado (Machine </a:t>
-            </a:r>
-            <a:r>
-              <a:rPr lang="es-ES_tradnl" dirty="0" err="1" smtClean="0"/>
-              <a:t>Learning</a:t>
-            </a:r>
-            <a:r>
+              <a:t>Sistemas inteligentes (tipos)</a:t>
+            </a:r>
+            <a:br>
               <a:rPr lang="es-ES_tradnl" dirty="0" smtClean="0"/>
-              <a:t>)</a:t>
-            </a:r>
-            <a:endParaRPr lang="es-ES_tradnl" dirty="0" smtClean="0"/>
+            </a:br>
+            <a:endParaRPr lang="es-ES_tradnl" dirty="0"/>
           </a:p>
         </p:txBody>
       </p:sp>
@@ -3615,14 +4442,14 @@
           <a:bodyPr/>
           <a:lstStyle/>
           <a:p>
-            <a:endParaRPr lang="es-ES_tradnl" dirty="0"/>
+            <a:endParaRPr lang="es-ES_tradnl"/>
           </a:p>
         </p:txBody>
       </p:sp>
     </p:spTree>
     <p:extLst>
       <p:ext uri="{BB962C8B-B14F-4D97-AF65-F5344CB8AC3E}">
-        <p14:creationId xmlns:p14="http://schemas.microsoft.com/office/powerpoint/2010/main" val="2041066251"/>
+        <p14:creationId xmlns:p14="http://schemas.microsoft.com/office/powerpoint/2010/main" val="2074959654"/>
       </p:ext>
     </p:extLst>
   </p:cSld>
@@ -3666,7 +4493,7 @@
           <a:p>
             <a:r>
               <a:rPr lang="es-ES_tradnl" dirty="0" smtClean="0"/>
-              <a:t>Objetivos del Metachatbot</a:t>
+              <a:t>Chatbot</a:t>
             </a:r>
             <a:endParaRPr lang="es-ES_tradnl" dirty="0"/>
           </a:p>
@@ -3687,14 +4514,14 @@
           <a:bodyPr/>
           <a:lstStyle/>
           <a:p>
-            <a:endParaRPr lang="es-ES_tradnl"/>
+            <a:endParaRPr lang="es-ES_tradnl" dirty="0"/>
           </a:p>
         </p:txBody>
       </p:sp>
     </p:spTree>
     <p:extLst>
       <p:ext uri="{BB962C8B-B14F-4D97-AF65-F5344CB8AC3E}">
-        <p14:creationId xmlns:p14="http://schemas.microsoft.com/office/powerpoint/2010/main" val="763276982"/>
+        <p14:creationId xmlns:p14="http://schemas.microsoft.com/office/powerpoint/2010/main" val="27185604"/>
       </p:ext>
     </p:extLst>
   </p:cSld>
@@ -3737,8 +4564,32 @@
           <a:lstStyle/>
           <a:p>
             <a:r>
+              <a:rPr lang="es-ES_tradnl" dirty="0" smtClean="0"/>
+              <a:t>¿</a:t>
+            </a:r>
+            <a:r>
+              <a:rPr lang="es-ES_tradnl" dirty="0" err="1" smtClean="0"/>
+              <a:t>Qu</a:t>
+            </a:r>
+            <a:r>
+              <a:rPr lang="en-US" dirty="0" err="1" smtClean="0"/>
+              <a:t>é</a:t>
+            </a:r>
+            <a:r>
               <a:rPr lang="en-US" dirty="0" smtClean="0"/>
-              <a:t>Motor de Chatbot</a:t>
+              <a:t> </a:t>
+            </a:r>
+            <a:r>
+              <a:rPr lang="en-US" dirty="0" err="1" smtClean="0"/>
+              <a:t>es</a:t>
+            </a:r>
+            <a:r>
+              <a:rPr lang="en-US" dirty="0" smtClean="0"/>
+              <a:t> un Metachatbot</a:t>
+            </a:r>
+            <a:r>
+              <a:rPr lang="es-ES_tradnl" dirty="0" smtClean="0"/>
+              <a:t>?</a:t>
             </a:r>
             <a:endParaRPr lang="es-ES_tradnl" dirty="0"/>
           </a:p>
@@ -3759,24 +4610,14 @@
           <a:bodyPr/>
           <a:lstStyle/>
           <a:p>
-            <a:r>
-              <a:rPr lang="es-ES_tradnl" dirty="0" smtClean="0"/>
-              <a:t>Training</a:t>
-            </a:r>
-          </a:p>
-          <a:p>
-            <a:r>
-              <a:rPr lang="es-ES_tradnl" dirty="0" smtClean="0"/>
-              <a:t>Response</a:t>
-            </a:r>
-            <a:endParaRPr lang="es-ES_tradnl" dirty="0"/>
+            <a:endParaRPr lang="es-ES_tradnl"/>
           </a:p>
         </p:txBody>
       </p:sp>
     </p:spTree>
     <p:extLst>
       <p:ext uri="{BB962C8B-B14F-4D97-AF65-F5344CB8AC3E}">
-        <p14:creationId xmlns:p14="http://schemas.microsoft.com/office/powerpoint/2010/main" val="1181082116"/>
+        <p14:creationId xmlns:p14="http://schemas.microsoft.com/office/powerpoint/2010/main" val="806592584"/>
       </p:ext>
     </p:extLst>
   </p:cSld>
